--- a/RapporteringLaroni/PresentatieLaroniTravel.pptx
+++ b/RapporteringLaroni/PresentatieLaroniTravel.pptx
@@ -11789,19 +11789,17 @@
       </p:grpSpPr>
       <p:pic>
         <p:nvPicPr>
-          <p:cNvPr id="6" name="Tijdelijke aanduiding voor inhoud 5" descr="Afbeelding met tekst, diagram, Parallel, document&#10;&#10;Automatisch gegenereerde beschrijving">
-            <a:extLst>
-              <a:ext uri="{FF2B5EF4-FFF2-40B4-BE49-F238E27FC236}">
-                <a16:creationId xmlns:a16="http://schemas.microsoft.com/office/drawing/2014/main" id="{3E2A216F-A404-DBBD-8903-3D3E07558D8A}"/>
+          <p:cNvPr id="10" name="Afbeelding 9" descr="Afbeelding met tekst, diagram, Parallel, document&#10;&#10;Automatisch gegenereerde beschrijving">
+            <a:extLst>
+              <a:ext uri="{FF2B5EF4-FFF2-40B4-BE49-F238E27FC236}">
+                <a16:creationId xmlns:a16="http://schemas.microsoft.com/office/drawing/2014/main" id="{C476D263-00B6-16DF-877A-46A9BE99121F}"/>
               </a:ext>
             </a:extLst>
           </p:cNvPr>
           <p:cNvPicPr>
-            <a:picLocks noGrp="1" noChangeAspect="1"/>
+            <a:picLocks noChangeAspect="1"/>
           </p:cNvPicPr>
-          <p:nvPr>
-            <p:ph idx="1"/>
-          </p:nvPr>
+          <p:nvPr/>
         </p:nvPicPr>
         <p:blipFill>
           <a:blip r:embed="rId2">
@@ -11817,9 +11815,12 @@
         </p:blipFill>
         <p:spPr>
           <a:xfrm>
-            <a:off x="659296" y="208721"/>
-            <a:ext cx="11078816" cy="5516217"/>
-          </a:xfrm>
+            <a:off x="1702059" y="85725"/>
+            <a:ext cx="8289666" cy="5681030"/>
+          </a:xfrm>
+          <a:prstGeom prst="rect">
+            <a:avLst/>
+          </a:prstGeom>
         </p:spPr>
       </p:pic>
       <p:sp>
